--- a/GBC/figure/f2.pptx
+++ b/GBC/figure/f2.pptx
@@ -5,7 +5,8 @@
     <p:sldMasterId id="2147483648" r:id="rId1"/>
   </p:sldMasterIdLst>
   <p:sldIdLst>
-    <p:sldId id="257" r:id="rId3"/>
+    <p:sldId id="260" r:id="rId3"/>
+    <p:sldId id="262" r:id="rId4"/>
   </p:sldIdLst>
   <p:sldSz cx="12192000" cy="6858000"/>
   <p:notesSz cx="6858000" cy="9144000"/>
@@ -2916,7 +2917,7 @@
       <p:grpSpPr/>
       <p:pic>
         <p:nvPicPr>
-          <p:cNvPr id="5" name="图片 4"/>
+          <p:cNvPr id="4" name="图片 3"/>
           <p:cNvPicPr>
             <a:picLocks noChangeAspect="1"/>
           </p:cNvPicPr>
@@ -2930,14 +2931,336 @@
         </p:blipFill>
         <p:spPr>
           <a:xfrm>
-            <a:off x="-350520" y="231140"/>
-            <a:ext cx="12075160" cy="6708775"/>
+            <a:off x="-1141095" y="0"/>
+            <a:ext cx="14061440" cy="7045960"/>
           </a:xfrm>
           <a:prstGeom prst="rect">
             <a:avLst/>
           </a:prstGeom>
         </p:spPr>
       </p:pic>
+    </p:spTree>
+  </p:cSld>
+  <p:clrMapOvr>
+    <a:masterClrMapping/>
+  </p:clrMapOvr>
+</p:sld>
+</file>
+
+<file path=ppt/slides/slide2.xml><?xml version="1.0" encoding="utf-8"?>
+<p:sld xmlns:a="http://schemas.openxmlformats.org/drawingml/2006/main" xmlns:r="http://schemas.openxmlformats.org/officeDocument/2006/relationships" xmlns:p="http://schemas.openxmlformats.org/presentationml/2006/main">
+  <p:cSld>
+    <p:spTree>
+      <p:nvGrpSpPr>
+        <p:cNvPr id="1" name=""/>
+        <p:cNvGrpSpPr/>
+        <p:nvPr/>
+      </p:nvGrpSpPr>
+      <p:grpSpPr/>
+      <p:pic>
+        <p:nvPicPr>
+          <p:cNvPr id="4" name="图片 3"/>
+          <p:cNvPicPr>
+            <a:picLocks noChangeAspect="1"/>
+          </p:cNvPicPr>
+          <p:nvPr/>
+        </p:nvPicPr>
+        <p:blipFill>
+          <a:blip r:embed="rId1"/>
+          <a:stretch>
+            <a:fillRect/>
+          </a:stretch>
+        </p:blipFill>
+        <p:spPr>
+          <a:xfrm>
+            <a:off x="-1102360" y="-190500"/>
+            <a:ext cx="14446885" cy="7239000"/>
+          </a:xfrm>
+          <a:prstGeom prst="rect">
+            <a:avLst/>
+          </a:prstGeom>
+        </p:spPr>
+      </p:pic>
+      <p:sp>
+        <p:nvSpPr>
+          <p:cNvPr id="5" name="文本框 4"/>
+          <p:cNvSpPr txBox="1"/>
+          <p:nvPr/>
+        </p:nvSpPr>
+        <p:spPr>
+          <a:xfrm>
+            <a:off x="2228215" y="2241550"/>
+            <a:ext cx="685800" cy="460375"/>
+          </a:xfrm>
+          <a:prstGeom prst="rect">
+            <a:avLst/>
+          </a:prstGeom>
+          <a:noFill/>
+        </p:spPr>
+        <p:txBody>
+          <a:bodyPr wrap="square" rtlCol="0">
+            <a:spAutoFit/>
+          </a:bodyPr>
+          <a:p>
+            <a:r>
+              <a:rPr lang="en-US" altLang="zh-CN" sz="2400" b="1">
+                <a:latin typeface="Arial" panose="020B0604020202020204" pitchFamily="34" charset="0"/>
+                <a:cs typeface="Arial" panose="020B0604020202020204" pitchFamily="34" charset="0"/>
+              </a:rPr>
+              <a:t>(a1)</a:t>
+            </a:r>
+            <a:endParaRPr lang="en-US" altLang="zh-CN" sz="2400" b="1">
+              <a:latin typeface="Arial" panose="020B0604020202020204" pitchFamily="34" charset="0"/>
+              <a:cs typeface="Arial" panose="020B0604020202020204" pitchFamily="34" charset="0"/>
+            </a:endParaRPr>
+          </a:p>
+        </p:txBody>
+      </p:sp>
+      <p:sp>
+        <p:nvSpPr>
+          <p:cNvPr id="6" name="文本框 5"/>
+          <p:cNvSpPr txBox="1"/>
+          <p:nvPr/>
+        </p:nvSpPr>
+        <p:spPr>
+          <a:xfrm>
+            <a:off x="2228215" y="5695950"/>
+            <a:ext cx="685800" cy="460375"/>
+          </a:xfrm>
+          <a:prstGeom prst="rect">
+            <a:avLst/>
+          </a:prstGeom>
+          <a:noFill/>
+        </p:spPr>
+        <p:txBody>
+          <a:bodyPr wrap="square" rtlCol="0">
+            <a:spAutoFit/>
+          </a:bodyPr>
+          <a:p>
+            <a:r>
+              <a:rPr lang="en-US" altLang="zh-CN" sz="2400" b="1">
+                <a:latin typeface="Arial" panose="020B0604020202020204" pitchFamily="34" charset="0"/>
+                <a:cs typeface="Arial" panose="020B0604020202020204" pitchFamily="34" charset="0"/>
+              </a:rPr>
+              <a:t>(a2)</a:t>
+            </a:r>
+            <a:endParaRPr lang="en-US" altLang="zh-CN" sz="2400" b="1">
+              <a:latin typeface="Arial" panose="020B0604020202020204" pitchFamily="34" charset="0"/>
+              <a:cs typeface="Arial" panose="020B0604020202020204" pitchFamily="34" charset="0"/>
+            </a:endParaRPr>
+          </a:p>
+        </p:txBody>
+      </p:sp>
+      <p:sp>
+        <p:nvSpPr>
+          <p:cNvPr id="7" name="文本框 6"/>
+          <p:cNvSpPr txBox="1"/>
+          <p:nvPr/>
+        </p:nvSpPr>
+        <p:spPr>
+          <a:xfrm>
+            <a:off x="5034915" y="1908175"/>
+            <a:ext cx="685800" cy="460375"/>
+          </a:xfrm>
+          <a:prstGeom prst="rect">
+            <a:avLst/>
+          </a:prstGeom>
+          <a:noFill/>
+        </p:spPr>
+        <p:txBody>
+          <a:bodyPr wrap="square" rtlCol="0">
+            <a:spAutoFit/>
+          </a:bodyPr>
+          <a:p>
+            <a:r>
+              <a:rPr lang="en-US" altLang="zh-CN" sz="2400" b="1">
+                <a:latin typeface="Arial" panose="020B0604020202020204" pitchFamily="34" charset="0"/>
+                <a:cs typeface="Arial" panose="020B0604020202020204" pitchFamily="34" charset="0"/>
+              </a:rPr>
+              <a:t>(b1)</a:t>
+            </a:r>
+            <a:endParaRPr lang="en-US" altLang="zh-CN" sz="2400" b="1">
+              <a:latin typeface="Arial" panose="020B0604020202020204" pitchFamily="34" charset="0"/>
+              <a:cs typeface="Arial" panose="020B0604020202020204" pitchFamily="34" charset="0"/>
+            </a:endParaRPr>
+          </a:p>
+        </p:txBody>
+      </p:sp>
+      <p:sp>
+        <p:nvSpPr>
+          <p:cNvPr id="8" name="文本框 7"/>
+          <p:cNvSpPr txBox="1"/>
+          <p:nvPr/>
+        </p:nvSpPr>
+        <p:spPr>
+          <a:xfrm>
+            <a:off x="4958715" y="5006975"/>
+            <a:ext cx="685800" cy="460375"/>
+          </a:xfrm>
+          <a:prstGeom prst="rect">
+            <a:avLst/>
+          </a:prstGeom>
+          <a:noFill/>
+        </p:spPr>
+        <p:txBody>
+          <a:bodyPr wrap="square" rtlCol="0">
+            <a:spAutoFit/>
+          </a:bodyPr>
+          <a:p>
+            <a:r>
+              <a:rPr lang="en-US" altLang="zh-CN" sz="2400" b="1">
+                <a:latin typeface="Arial" panose="020B0604020202020204" pitchFamily="34" charset="0"/>
+                <a:cs typeface="Arial" panose="020B0604020202020204" pitchFamily="34" charset="0"/>
+              </a:rPr>
+              <a:t>(b2)</a:t>
+            </a:r>
+            <a:endParaRPr lang="en-US" altLang="zh-CN" sz="2400" b="1">
+              <a:latin typeface="Arial" panose="020B0604020202020204" pitchFamily="34" charset="0"/>
+              <a:cs typeface="Arial" panose="020B0604020202020204" pitchFamily="34" charset="0"/>
+            </a:endParaRPr>
+          </a:p>
+        </p:txBody>
+      </p:sp>
+      <p:sp>
+        <p:nvSpPr>
+          <p:cNvPr id="9" name="文本框 8"/>
+          <p:cNvSpPr txBox="1"/>
+          <p:nvPr/>
+        </p:nvSpPr>
+        <p:spPr>
+          <a:xfrm>
+            <a:off x="8222615" y="1692275"/>
+            <a:ext cx="685800" cy="460375"/>
+          </a:xfrm>
+          <a:prstGeom prst="rect">
+            <a:avLst/>
+          </a:prstGeom>
+          <a:noFill/>
+        </p:spPr>
+        <p:txBody>
+          <a:bodyPr wrap="square" rtlCol="0">
+            <a:spAutoFit/>
+          </a:bodyPr>
+          <a:p>
+            <a:r>
+              <a:rPr lang="en-US" altLang="zh-CN" sz="2400" b="1">
+                <a:latin typeface="Arial" panose="020B0604020202020204" pitchFamily="34" charset="0"/>
+                <a:cs typeface="Arial" panose="020B0604020202020204" pitchFamily="34" charset="0"/>
+              </a:rPr>
+              <a:t>(c1)</a:t>
+            </a:r>
+            <a:endParaRPr lang="en-US" altLang="zh-CN" sz="2400" b="1">
+              <a:latin typeface="Arial" panose="020B0604020202020204" pitchFamily="34" charset="0"/>
+              <a:cs typeface="Arial" panose="020B0604020202020204" pitchFamily="34" charset="0"/>
+            </a:endParaRPr>
+          </a:p>
+        </p:txBody>
+      </p:sp>
+      <p:sp>
+        <p:nvSpPr>
+          <p:cNvPr id="10" name="文本框 9"/>
+          <p:cNvSpPr txBox="1"/>
+          <p:nvPr/>
+        </p:nvSpPr>
+        <p:spPr>
+          <a:xfrm>
+            <a:off x="8222615" y="5006975"/>
+            <a:ext cx="685800" cy="460375"/>
+          </a:xfrm>
+          <a:prstGeom prst="rect">
+            <a:avLst/>
+          </a:prstGeom>
+          <a:noFill/>
+        </p:spPr>
+        <p:txBody>
+          <a:bodyPr wrap="square" rtlCol="0">
+            <a:spAutoFit/>
+          </a:bodyPr>
+          <a:p>
+            <a:r>
+              <a:rPr lang="en-US" altLang="zh-CN" sz="2400" b="1">
+                <a:latin typeface="Arial" panose="020B0604020202020204" pitchFamily="34" charset="0"/>
+                <a:cs typeface="Arial" panose="020B0604020202020204" pitchFamily="34" charset="0"/>
+              </a:rPr>
+              <a:t>(c2)</a:t>
+            </a:r>
+            <a:endParaRPr lang="en-US" altLang="zh-CN" sz="2400" b="1">
+              <a:latin typeface="Arial" panose="020B0604020202020204" pitchFamily="34" charset="0"/>
+              <a:cs typeface="Arial" panose="020B0604020202020204" pitchFamily="34" charset="0"/>
+            </a:endParaRPr>
+          </a:p>
+        </p:txBody>
+      </p:sp>
+      <p:sp>
+        <p:nvSpPr>
+          <p:cNvPr id="11" name="文本框 10"/>
+          <p:cNvSpPr txBox="1"/>
+          <p:nvPr/>
+        </p:nvSpPr>
+        <p:spPr>
+          <a:xfrm>
+            <a:off x="11156315" y="5006975"/>
+            <a:ext cx="685800" cy="460375"/>
+          </a:xfrm>
+          <a:prstGeom prst="rect">
+            <a:avLst/>
+          </a:prstGeom>
+          <a:noFill/>
+        </p:spPr>
+        <p:txBody>
+          <a:bodyPr wrap="square" rtlCol="0">
+            <a:spAutoFit/>
+          </a:bodyPr>
+          <a:p>
+            <a:r>
+              <a:rPr lang="en-US" altLang="zh-CN" sz="2400" b="1">
+                <a:latin typeface="Arial" panose="020B0604020202020204" pitchFamily="34" charset="0"/>
+                <a:cs typeface="Arial" panose="020B0604020202020204" pitchFamily="34" charset="0"/>
+              </a:rPr>
+              <a:t>(d2)</a:t>
+            </a:r>
+            <a:endParaRPr lang="en-US" altLang="zh-CN" sz="2400" b="1">
+              <a:latin typeface="Arial" panose="020B0604020202020204" pitchFamily="34" charset="0"/>
+              <a:cs typeface="Arial" panose="020B0604020202020204" pitchFamily="34" charset="0"/>
+            </a:endParaRPr>
+          </a:p>
+        </p:txBody>
+      </p:sp>
+      <p:sp>
+        <p:nvSpPr>
+          <p:cNvPr id="12" name="文本框 11"/>
+          <p:cNvSpPr txBox="1"/>
+          <p:nvPr/>
+        </p:nvSpPr>
+        <p:spPr>
+          <a:xfrm>
+            <a:off x="11156315" y="1323975"/>
+            <a:ext cx="685800" cy="460375"/>
+          </a:xfrm>
+          <a:prstGeom prst="rect">
+            <a:avLst/>
+          </a:prstGeom>
+          <a:noFill/>
+        </p:spPr>
+        <p:txBody>
+          <a:bodyPr wrap="square" rtlCol="0">
+            <a:spAutoFit/>
+          </a:bodyPr>
+          <a:p>
+            <a:r>
+              <a:rPr lang="en-US" altLang="zh-CN" sz="2400" b="1">
+                <a:latin typeface="Arial" panose="020B0604020202020204" pitchFamily="34" charset="0"/>
+                <a:cs typeface="Arial" panose="020B0604020202020204" pitchFamily="34" charset="0"/>
+              </a:rPr>
+              <a:t>(d1)</a:t>
+            </a:r>
+            <a:endParaRPr lang="en-US" altLang="zh-CN" sz="2400" b="1">
+              <a:latin typeface="Arial" panose="020B0604020202020204" pitchFamily="34" charset="0"/>
+              <a:cs typeface="Arial" panose="020B0604020202020204" pitchFamily="34" charset="0"/>
+            </a:endParaRPr>
+          </a:p>
+        </p:txBody>
+      </p:sp>
     </p:spTree>
   </p:cSld>
   <p:clrMapOvr>
